--- a/Presentation/Presentation.pptx
+++ b/Presentation/Presentation.pptx
@@ -114,6 +114,11 @@
       </a:defRPr>
     </a:lvl9pPr>
   </p:defaultTextStyle>
+  <p:extLst>
+    <p:ext uri="{EFAFB233-063F-42B5-8137-9DF3F51BA10A}">
+      <p15:sldGuideLst xmlns:p15="http://schemas.microsoft.com/office/powerpoint/2012/main"/>
+    </p:ext>
+  </p:extLst>
 </p:presentation>
 </file>
 
@@ -127,6 +132,10 @@
     </p:extLst>
   </p:cmAuthor>
 </p:cmAuthorLst>
+</file>
+
+<file path=ppt/revisionInfo.xml><?xml version="1.0" encoding="utf-8"?>
+<p1510:revInfo xmlns:a="http://schemas.openxmlformats.org/drawingml/2006/main" xmlns:r="http://schemas.openxmlformats.org/officeDocument/2006/relationships" xmlns:p1510="http://schemas.microsoft.com/office/powerpoint/2015/10/main"/>
 </file>
 
 <file path=ppt/notesMasters/notesMaster1.xml><?xml version="1.0" encoding="utf-8"?>
@@ -8146,7 +8155,7 @@
             </a:br>
             <a:r>
               <a:rPr lang="de-CH" dirty="0"/>
-              <a:t>Albana Jaha, Renda Badar, Jan Eich and Dardana Jaha</a:t>
+              <a:t>Jan Eich, Renda Badar, Albana Jaha and Dardana Jaha</a:t>
             </a:r>
             <a:endParaRPr lang="en-GB" dirty="0"/>
           </a:p>

--- a/Presentation/Presentation.pptx
+++ b/Presentation/Presentation.pptx
@@ -5,7 +5,7 @@
     <p:sldMasterId id="2147483648" r:id="rId1"/>
   </p:sldMasterIdLst>
   <p:notesMasterIdLst>
-    <p:notesMasterId r:id="rId10"/>
+    <p:notesMasterId r:id="rId11"/>
   </p:notesMasterIdLst>
   <p:sldIdLst>
     <p:sldId id="256" r:id="rId2"/>
@@ -14,8 +14,9 @@
     <p:sldId id="265" r:id="rId5"/>
     <p:sldId id="259" r:id="rId6"/>
     <p:sldId id="258" r:id="rId7"/>
-    <p:sldId id="262" r:id="rId8"/>
-    <p:sldId id="263" r:id="rId9"/>
+    <p:sldId id="266" r:id="rId8"/>
+    <p:sldId id="262" r:id="rId9"/>
+    <p:sldId id="263" r:id="rId10"/>
   </p:sldIdLst>
   <p:sldSz cx="12192000" cy="6858000"/>
   <p:notesSz cx="6858000" cy="9144000"/>
@@ -220,7 +221,7 @@
           <a:p>
             <a:fld id="{28D56B04-8EAC-4BFB-9C34-868FF10EDBAC}" type="datetimeFigureOut">
               <a:rPr lang="en-GB" smtClean="0"/>
-              <a:t>26/11/2017</a:t>
+              <a:t>08/12/2017</a:t>
             </a:fld>
             <a:endParaRPr lang="en-GB"/>
           </a:p>
@@ -762,7 +763,7 @@
           <a:p>
             <a:fld id="{AF239A9A-B4B0-4B32-B8CD-2E25E95134C4}" type="datetimeFigureOut">
               <a:rPr lang="en-US" dirty="0"/>
-              <a:t>11/26/2017</a:t>
+              <a:t>12/8/2017</a:t>
             </a:fld>
             <a:endParaRPr lang="en-US" dirty="0"/>
           </a:p>
@@ -1171,7 +1172,7 @@
           <a:p>
             <a:fld id="{F25518A9-B687-4302-9395-2322403C6656}" type="datetimeFigureOut">
               <a:rPr lang="en-US" dirty="0"/>
-              <a:t>11/26/2017</a:t>
+              <a:t>12/8/2017</a:t>
             </a:fld>
             <a:endParaRPr lang="en-US" dirty="0"/>
           </a:p>
@@ -1502,7 +1503,7 @@
           <a:p>
             <a:fld id="{1A99A684-0CB7-41E9-A4DF-5D1C2CA5BF6F}" type="datetimeFigureOut">
               <a:rPr lang="en-US" dirty="0"/>
-              <a:t>11/26/2017</a:t>
+              <a:t>12/8/2017</a:t>
             </a:fld>
             <a:endParaRPr lang="en-US" dirty="0"/>
           </a:p>
@@ -1902,7 +1903,7 @@
           <a:p>
             <a:fld id="{FEDD7C35-9E19-4518-A4B2-3B09CD8CC756}" type="datetimeFigureOut">
               <a:rPr lang="en-US" dirty="0"/>
-              <a:t>11/26/2017</a:t>
+              <a:t>12/8/2017</a:t>
             </a:fld>
             <a:endParaRPr lang="en-US" dirty="0"/>
           </a:p>
@@ -2465,7 +2466,7 @@
           <a:p>
             <a:fld id="{26196DA8-8897-4DDF-BFB6-5D83863C837A}" type="datetimeFigureOut">
               <a:rPr lang="en-US" dirty="0"/>
-              <a:t>11/26/2017</a:t>
+              <a:t>12/8/2017</a:t>
             </a:fld>
             <a:endParaRPr lang="en-US" dirty="0"/>
           </a:p>
@@ -3141,7 +3142,7 @@
           <a:p>
             <a:fld id="{DCBBA708-C5F0-412D-90E2-1919F0D196AE}" type="datetimeFigureOut">
               <a:rPr lang="en-US" dirty="0"/>
-              <a:t>11/26/2017</a:t>
+              <a:t>12/8/2017</a:t>
             </a:fld>
             <a:endParaRPr lang="en-US" dirty="0"/>
           </a:p>
@@ -4049,7 +4050,7 @@
           <a:p>
             <a:fld id="{A9C8F8FA-EF43-4642-9368-3F4E33039BD9}" type="datetimeFigureOut">
               <a:rPr lang="en-US" dirty="0"/>
-              <a:t>11/26/2017</a:t>
+              <a:t>12/8/2017</a:t>
             </a:fld>
             <a:endParaRPr lang="en-US" dirty="0"/>
           </a:p>
@@ -4357,7 +4358,7 @@
           <a:p>
             <a:fld id="{6B61E721-B01C-4D5D-A3CA-2E5518383F10}" type="datetimeFigureOut">
               <a:rPr lang="en-US" dirty="0"/>
-              <a:t>11/26/2017</a:t>
+              <a:t>12/8/2017</a:t>
             </a:fld>
             <a:endParaRPr lang="en-US" dirty="0"/>
           </a:p>
@@ -4616,7 +4617,7 @@
           <a:p>
             <a:fld id="{6513FEF9-69D0-4F8C-A336-59491FBEDC47}" type="datetimeFigureOut">
               <a:rPr lang="en-US" dirty="0"/>
-              <a:t>11/26/2017</a:t>
+              <a:t>12/8/2017</a:t>
             </a:fld>
             <a:endParaRPr lang="en-US" dirty="0"/>
           </a:p>
@@ -4953,7 +4954,7 @@
           <a:p>
             <a:fld id="{A91E21DC-8981-44E6-BC8C-2BA8F673FFBB}" type="datetimeFigureOut">
               <a:rPr lang="en-US" dirty="0"/>
-              <a:t>11/26/2017</a:t>
+              <a:t>12/8/2017</a:t>
             </a:fld>
             <a:endParaRPr lang="en-US" dirty="0"/>
           </a:p>
@@ -5337,7 +5338,7 @@
           <a:p>
             <a:fld id="{AEB9C5D3-0140-4E75-8D7F-C0623D06DFD7}" type="datetimeFigureOut">
               <a:rPr lang="en-US" dirty="0"/>
-              <a:t>11/26/2017</a:t>
+              <a:t>12/8/2017</a:t>
             </a:fld>
             <a:endParaRPr lang="en-US" dirty="0"/>
           </a:p>
@@ -5708,7 +5709,7 @@
           <a:p>
             <a:fld id="{3A5666F9-5B40-48E0-8DFD-99EF944CDD22}" type="datetimeFigureOut">
               <a:rPr lang="en-US" dirty="0"/>
-              <a:t>11/26/2017</a:t>
+              <a:t>12/8/2017</a:t>
             </a:fld>
             <a:endParaRPr lang="en-US" dirty="0"/>
           </a:p>
@@ -6209,7 +6210,7 @@
           <a:p>
             <a:fld id="{2A698D6B-2C72-4E21-9893-A649C6E2A47D}" type="datetimeFigureOut">
               <a:rPr lang="en-US" dirty="0"/>
-              <a:t>11/26/2017</a:t>
+              <a:t>12/8/2017</a:t>
             </a:fld>
             <a:endParaRPr lang="en-US" dirty="0"/>
           </a:p>
@@ -6461,7 +6462,7 @@
           <a:p>
             <a:fld id="{C86811C9-A66C-49F0-970E-F7B68D9109A0}" type="datetimeFigureOut">
               <a:rPr lang="en-US" dirty="0"/>
-              <a:t>11/26/2017</a:t>
+              <a:t>12/8/2017</a:t>
             </a:fld>
             <a:endParaRPr lang="en-US" dirty="0"/>
           </a:p>
@@ -6619,7 +6620,7 @@
           <a:p>
             <a:fld id="{6C01AE78-96A2-4A23-B183-3B6DB4374FE7}" type="datetimeFigureOut">
               <a:rPr lang="en-US" dirty="0"/>
-              <a:t>11/26/2017</a:t>
+              <a:t>12/8/2017</a:t>
             </a:fld>
             <a:endParaRPr lang="en-US" dirty="0"/>
           </a:p>
@@ -7004,7 +7005,7 @@
           <a:p>
             <a:fld id="{73AE0757-B101-4811-9189-10EB2F458E2D}" type="datetimeFigureOut">
               <a:rPr lang="en-US" dirty="0"/>
-              <a:t>11/26/2017</a:t>
+              <a:t>12/8/2017</a:t>
             </a:fld>
             <a:endParaRPr lang="en-US" dirty="0"/>
           </a:p>
@@ -7408,7 +7409,7 @@
           <a:p>
             <a:fld id="{7EBDC078-589F-40E3-816C-EE21D62B5BBA}" type="datetimeFigureOut">
               <a:rPr lang="en-US" dirty="0"/>
-              <a:t>11/26/2017</a:t>
+              <a:t>12/8/2017</a:t>
             </a:fld>
             <a:endParaRPr lang="en-US" dirty="0"/>
           </a:p>
@@ -7647,7 +7648,7 @@
           <a:p>
             <a:fld id="{C7004436-CA73-4D53-89B4-2A5C7347BF2F}" type="datetimeFigureOut">
               <a:rPr lang="en-US" dirty="0"/>
-              <a:t>11/26/2017</a:t>
+              <a:t>12/8/2017</a:t>
             </a:fld>
             <a:endParaRPr lang="en-US" dirty="0"/>
           </a:p>
@@ -8291,6 +8292,12 @@
           <a:p>
             <a:r>
               <a:rPr lang="de-CH" dirty="0"/>
+              <a:t>Highlights and challenges </a:t>
+            </a:r>
+          </a:p>
+          <a:p>
+            <a:r>
+              <a:rPr lang="de-CH" dirty="0"/>
               <a:t>Questions</a:t>
             </a:r>
             <a:endParaRPr lang="en-GB" dirty="0"/>
@@ -8343,13 +8350,18 @@
             <p:ph type="title"/>
           </p:nvPr>
         </p:nvSpPr>
-        <p:spPr/>
+        <p:spPr>
+          <a:xfrm>
+            <a:off x="680321" y="753228"/>
+            <a:ext cx="9613861" cy="1080938"/>
+          </a:xfrm>
+        </p:spPr>
         <p:txBody>
           <a:bodyPr/>
           <a:lstStyle/>
           <a:p>
             <a:r>
-              <a:rPr lang="de-CH" dirty="0"/>
+              <a:rPr lang="de-CH"/>
               <a:t>Features</a:t>
             </a:r>
             <a:endParaRPr lang="en-GB" dirty="0"/>
@@ -8372,40 +8384,61 @@
             <p:ph sz="half" idx="1"/>
           </p:nvPr>
         </p:nvSpPr>
-        <p:spPr/>
+        <p:spPr>
+          <a:xfrm>
+            <a:off x="680320" y="2336873"/>
+            <a:ext cx="4698358" cy="3599316"/>
+          </a:xfrm>
+        </p:spPr>
         <p:txBody>
           <a:bodyPr/>
           <a:lstStyle/>
           <a:p>
-            <a:endParaRPr lang="en-GB"/>
-          </a:p>
-        </p:txBody>
-      </p:sp>
-      <p:sp>
-        <p:nvSpPr>
-          <p:cNvPr id="4" name="Content Placeholder 3">
+            <a:r>
+              <a:rPr lang="de-CH" dirty="0"/>
+              <a:t>Responsive Design </a:t>
+            </a:r>
+          </a:p>
+          <a:p>
+            <a:r>
+              <a:rPr lang="de-CH" dirty="0"/>
+              <a:t>Register/Log in</a:t>
+            </a:r>
+          </a:p>
+          <a:p>
+            <a:endParaRPr lang="en-GB" dirty="0"/>
+          </a:p>
+        </p:txBody>
+      </p:sp>
+      <p:pic>
+        <p:nvPicPr>
+          <p:cNvPr id="6" name="Content Placeholder 5">
             <a:extLst>
               <a:ext uri="{FF2B5EF4-FFF2-40B4-BE49-F238E27FC236}">
-                <a16:creationId xmlns:a16="http://schemas.microsoft.com/office/drawing/2014/main" id="{7691F8DA-FCEC-4233-B7A9-3515D90B6258}"/>
+                <a16:creationId xmlns:a16="http://schemas.microsoft.com/office/drawing/2014/main" id="{5FB9C09F-0C3B-4F4C-B466-82CE57AD7E72}"/>
               </a:ext>
             </a:extLst>
           </p:cNvPr>
-          <p:cNvSpPr>
-            <a:spLocks noGrp="1"/>
-          </p:cNvSpPr>
+          <p:cNvPicPr>
+            <a:picLocks noGrp="1" noChangeAspect="1"/>
+          </p:cNvPicPr>
           <p:nvPr>
             <p:ph sz="half" idx="2"/>
           </p:nvPr>
-        </p:nvSpPr>
-        <p:spPr/>
-        <p:txBody>
-          <a:bodyPr/>
-          <a:lstStyle/>
-          <a:p>
-            <a:endParaRPr lang="en-GB"/>
-          </a:p>
-        </p:txBody>
-      </p:sp>
+        </p:nvPicPr>
+        <p:blipFill>
+          <a:blip r:embed="rId2"/>
+          <a:stretch>
+            <a:fillRect/>
+          </a:stretch>
+        </p:blipFill>
+        <p:spPr>
+          <a:xfrm>
+            <a:off x="5594350" y="2449406"/>
+            <a:ext cx="4700588" cy="3373651"/>
+          </a:xfrm>
+        </p:spPr>
+      </p:pic>
     </p:spTree>
     <p:extLst>
       <p:ext uri="{BB962C8B-B14F-4D97-AF65-F5344CB8AC3E}">
@@ -8465,31 +8498,35 @@
           </a:p>
         </p:txBody>
       </p:sp>
-      <p:sp>
-        <p:nvSpPr>
-          <p:cNvPr id="3" name="Content Placeholder 2">
+      <p:pic>
+        <p:nvPicPr>
+          <p:cNvPr id="5" name="Content Placeholder 4">
             <a:extLst>
               <a:ext uri="{FF2B5EF4-FFF2-40B4-BE49-F238E27FC236}">
-                <a16:creationId xmlns:a16="http://schemas.microsoft.com/office/drawing/2014/main" id="{E206F6CD-96E7-478D-9269-AE5207EB3170}"/>
+                <a16:creationId xmlns:a16="http://schemas.microsoft.com/office/drawing/2014/main" id="{C8A2E25D-B461-4DD6-93B0-EDE5CBDC5370}"/>
               </a:ext>
             </a:extLst>
           </p:cNvPr>
-          <p:cNvSpPr>
-            <a:spLocks noGrp="1"/>
-          </p:cNvSpPr>
+          <p:cNvPicPr>
+            <a:picLocks noGrp="1" noChangeAspect="1"/>
+          </p:cNvPicPr>
           <p:nvPr>
             <p:ph idx="1"/>
           </p:nvPr>
-        </p:nvSpPr>
-        <p:spPr/>
-        <p:txBody>
-          <a:bodyPr/>
-          <a:lstStyle/>
-          <a:p>
-            <a:endParaRPr lang="en-GB" dirty="0"/>
-          </a:p>
-        </p:txBody>
-      </p:sp>
+        </p:nvPicPr>
+        <p:blipFill>
+          <a:blip r:embed="rId2"/>
+          <a:stretch>
+            <a:fillRect/>
+          </a:stretch>
+        </p:blipFill>
+        <p:spPr>
+          <a:xfrm>
+            <a:off x="3395086" y="2261089"/>
+            <a:ext cx="5401827" cy="4210874"/>
+          </a:xfrm>
+        </p:spPr>
+      </p:pic>
     </p:spTree>
     <p:extLst>
       <p:ext uri="{BB962C8B-B14F-4D97-AF65-F5344CB8AC3E}">
@@ -8618,31 +8655,37 @@
           <a:lstStyle/>
           <a:p>
             <a:r>
-              <a:rPr lang="de-CH"/>
+              <a:rPr lang="de-CH" dirty="0"/>
               <a:t>Team Meetings: once a week </a:t>
             </a:r>
+          </a:p>
+          <a:p>
             <a:br>
-              <a:rPr lang="de-CH"/>
+              <a:rPr lang="de-CH" dirty="0"/>
             </a:br>
             <a:r>
-              <a:rPr lang="de-CH"/>
+              <a:rPr lang="de-CH" dirty="0"/>
               <a:t>Communication per: Whatsapp group</a:t>
             </a:r>
+          </a:p>
+          <a:p>
             <a:br>
-              <a:rPr lang="de-CH"/>
+              <a:rPr lang="de-CH" dirty="0"/>
             </a:br>
             <a:r>
-              <a:rPr lang="de-CH"/>
+              <a:rPr lang="de-CH" dirty="0"/>
               <a:t>Exchanging documents per: Dropbox</a:t>
             </a:r>
             <a:br>
-              <a:rPr lang="de-CH"/>
+              <a:rPr lang="de-CH" dirty="0"/>
             </a:br>
-            <a:r>
-              <a:rPr lang="de-CH"/>
-              <a:t> </a:t>
-            </a:r>
             <a:endParaRPr lang="de-CH" dirty="0"/>
+          </a:p>
+          <a:p>
+            <a:r>
+              <a:rPr lang="de-CH" dirty="0"/>
+              <a:t>Meetings with the customer: once a week</a:t>
+            </a:r>
           </a:p>
         </p:txBody>
       </p:sp>
@@ -8870,6 +8913,185 @@
       </p:grpSpPr>
       <p:sp>
         <p:nvSpPr>
+          <p:cNvPr id="2" name="Title 1">
+            <a:extLst>
+              <a:ext uri="{FF2B5EF4-FFF2-40B4-BE49-F238E27FC236}">
+                <a16:creationId xmlns:a16="http://schemas.microsoft.com/office/drawing/2014/main" id="{CD7547A9-3FBD-460F-A89A-8A3F9FAFDB06}"/>
+              </a:ext>
+            </a:extLst>
+          </p:cNvPr>
+          <p:cNvSpPr>
+            <a:spLocks noGrp="1"/>
+          </p:cNvSpPr>
+          <p:nvPr>
+            <p:ph type="title"/>
+          </p:nvPr>
+        </p:nvSpPr>
+        <p:spPr/>
+        <p:txBody>
+          <a:bodyPr/>
+          <a:lstStyle/>
+          <a:p>
+            <a:r>
+              <a:rPr lang="de-CH" dirty="0"/>
+              <a:t>Highlights and challenges </a:t>
+            </a:r>
+            <a:endParaRPr lang="en-GB" dirty="0"/>
+          </a:p>
+        </p:txBody>
+      </p:sp>
+      <p:sp>
+        <p:nvSpPr>
+          <p:cNvPr id="3" name="Text Placeholder 2">
+            <a:extLst>
+              <a:ext uri="{FF2B5EF4-FFF2-40B4-BE49-F238E27FC236}">
+                <a16:creationId xmlns:a16="http://schemas.microsoft.com/office/drawing/2014/main" id="{9BA311C1-8C8E-460F-877B-923BB24E7C3C}"/>
+              </a:ext>
+            </a:extLst>
+          </p:cNvPr>
+          <p:cNvSpPr>
+            <a:spLocks noGrp="1"/>
+          </p:cNvSpPr>
+          <p:nvPr>
+            <p:ph type="body" idx="1"/>
+          </p:nvPr>
+        </p:nvSpPr>
+        <p:spPr/>
+        <p:txBody>
+          <a:bodyPr/>
+          <a:lstStyle/>
+          <a:p>
+            <a:r>
+              <a:rPr lang="de-CH" dirty="0"/>
+              <a:t>Highlights</a:t>
+            </a:r>
+            <a:endParaRPr lang="en-GB" dirty="0"/>
+          </a:p>
+        </p:txBody>
+      </p:sp>
+      <p:sp>
+        <p:nvSpPr>
+          <p:cNvPr id="4" name="Content Placeholder 3">
+            <a:extLst>
+              <a:ext uri="{FF2B5EF4-FFF2-40B4-BE49-F238E27FC236}">
+                <a16:creationId xmlns:a16="http://schemas.microsoft.com/office/drawing/2014/main" id="{F184372A-EE32-4E90-B239-55D36D6E787B}"/>
+              </a:ext>
+            </a:extLst>
+          </p:cNvPr>
+          <p:cNvSpPr>
+            <a:spLocks noGrp="1"/>
+          </p:cNvSpPr>
+          <p:nvPr>
+            <p:ph sz="half" idx="2"/>
+          </p:nvPr>
+        </p:nvSpPr>
+        <p:spPr/>
+        <p:txBody>
+          <a:bodyPr/>
+          <a:lstStyle/>
+          <a:p>
+            <a:r>
+              <a:rPr lang="de-CH" dirty="0"/>
+              <a:t>Communication within the team </a:t>
+            </a:r>
+          </a:p>
+          <a:p>
+            <a:endParaRPr lang="en-GB" dirty="0"/>
+          </a:p>
+        </p:txBody>
+      </p:sp>
+      <p:sp>
+        <p:nvSpPr>
+          <p:cNvPr id="5" name="Text Placeholder 4">
+            <a:extLst>
+              <a:ext uri="{FF2B5EF4-FFF2-40B4-BE49-F238E27FC236}">
+                <a16:creationId xmlns:a16="http://schemas.microsoft.com/office/drawing/2014/main" id="{90AA8F53-2D21-4479-84DB-DFF2C6CA4F09}"/>
+              </a:ext>
+            </a:extLst>
+          </p:cNvPr>
+          <p:cNvSpPr>
+            <a:spLocks noGrp="1"/>
+          </p:cNvSpPr>
+          <p:nvPr>
+            <p:ph type="body" sz="quarter" idx="3"/>
+          </p:nvPr>
+        </p:nvSpPr>
+        <p:spPr/>
+        <p:txBody>
+          <a:bodyPr/>
+          <a:lstStyle/>
+          <a:p>
+            <a:r>
+              <a:rPr lang="de-CH" dirty="0"/>
+              <a:t>Challanges</a:t>
+            </a:r>
+            <a:endParaRPr lang="en-GB" dirty="0"/>
+          </a:p>
+        </p:txBody>
+      </p:sp>
+      <p:sp>
+        <p:nvSpPr>
+          <p:cNvPr id="6" name="Content Placeholder 5">
+            <a:extLst>
+              <a:ext uri="{FF2B5EF4-FFF2-40B4-BE49-F238E27FC236}">
+                <a16:creationId xmlns:a16="http://schemas.microsoft.com/office/drawing/2014/main" id="{B90959A8-7109-4B7E-9DFF-5320F76E08D4}"/>
+              </a:ext>
+            </a:extLst>
+          </p:cNvPr>
+          <p:cNvSpPr>
+            <a:spLocks noGrp="1"/>
+          </p:cNvSpPr>
+          <p:nvPr>
+            <p:ph sz="quarter" idx="4"/>
+          </p:nvPr>
+        </p:nvSpPr>
+        <p:spPr/>
+        <p:txBody>
+          <a:bodyPr/>
+          <a:lstStyle/>
+          <a:p>
+            <a:r>
+              <a:rPr lang="de-CH" dirty="0"/>
+              <a:t>Using the Spring framework </a:t>
+            </a:r>
+          </a:p>
+          <a:p>
+            <a:endParaRPr lang="en-GB" dirty="0"/>
+          </a:p>
+        </p:txBody>
+      </p:sp>
+    </p:spTree>
+    <p:extLst>
+      <p:ext uri="{BB962C8B-B14F-4D97-AF65-F5344CB8AC3E}">
+        <p14:creationId xmlns:p14="http://schemas.microsoft.com/office/powerpoint/2010/main" val="1426067786"/>
+      </p:ext>
+    </p:extLst>
+  </p:cSld>
+  <p:clrMapOvr>
+    <a:masterClrMapping/>
+  </p:clrMapOvr>
+</p:sld>
+</file>
+
+<file path=ppt/slides/slide8.xml><?xml version="1.0" encoding="utf-8"?>
+<p:sld xmlns:a="http://schemas.openxmlformats.org/drawingml/2006/main" xmlns:r="http://schemas.openxmlformats.org/officeDocument/2006/relationships" xmlns:p="http://schemas.openxmlformats.org/presentationml/2006/main">
+  <p:cSld>
+    <p:spTree>
+      <p:nvGrpSpPr>
+        <p:cNvPr id="1" name=""/>
+        <p:cNvGrpSpPr/>
+        <p:nvPr/>
+      </p:nvGrpSpPr>
+      <p:grpSpPr>
+        <a:xfrm>
+          <a:off x="0" y="0"/>
+          <a:ext cx="0" cy="0"/>
+          <a:chOff x="0" y="0"/>
+          <a:chExt cx="0" cy="0"/>
+        </a:xfrm>
+      </p:grpSpPr>
+      <p:sp>
+        <p:nvSpPr>
           <p:cNvPr id="4" name="TextBox 3">
             <a:extLst>
               <a:ext uri="{FF2B5EF4-FFF2-40B4-BE49-F238E27FC236}">
@@ -8917,7 +9139,7 @@
 </p:sld>
 </file>
 
-<file path=ppt/slides/slide8.xml><?xml version="1.0" encoding="utf-8"?>
+<file path=ppt/slides/slide9.xml><?xml version="1.0" encoding="utf-8"?>
 <p:sld xmlns:a="http://schemas.openxmlformats.org/drawingml/2006/main" xmlns:r="http://schemas.openxmlformats.org/officeDocument/2006/relationships" xmlns:p="http://schemas.openxmlformats.org/presentationml/2006/main">
   <p:cSld>
     <p:spTree>

--- a/Presentation/Presentation.pptx
+++ b/Presentation/Presentation.pptx
@@ -487,6 +487,178 @@
     </a:lvl9pPr>
   </p:notesStyle>
 </p:notesMaster>
+</file>
+
+<file path=ppt/notesSlides/notesSlide1.xml><?xml version="1.0" encoding="utf-8"?>
+<p:notes xmlns:a="http://schemas.openxmlformats.org/drawingml/2006/main" xmlns:r="http://schemas.openxmlformats.org/officeDocument/2006/relationships" xmlns:p="http://schemas.openxmlformats.org/presentationml/2006/main">
+  <p:cSld>
+    <p:spTree>
+      <p:nvGrpSpPr>
+        <p:cNvPr id="1" name=""/>
+        <p:cNvGrpSpPr/>
+        <p:nvPr/>
+      </p:nvGrpSpPr>
+      <p:grpSpPr>
+        <a:xfrm>
+          <a:off x="0" y="0"/>
+          <a:ext cx="0" cy="0"/>
+          <a:chOff x="0" y="0"/>
+          <a:chExt cx="0" cy="0"/>
+        </a:xfrm>
+      </p:grpSpPr>
+      <p:sp>
+        <p:nvSpPr>
+          <p:cNvPr id="2" name="Slide Image Placeholder 1"/>
+          <p:cNvSpPr>
+            <a:spLocks noGrp="1" noRot="1" noChangeAspect="1"/>
+          </p:cNvSpPr>
+          <p:nvPr>
+            <p:ph type="sldImg"/>
+          </p:nvPr>
+        </p:nvSpPr>
+        <p:spPr/>
+      </p:sp>
+      <p:sp>
+        <p:nvSpPr>
+          <p:cNvPr id="3" name="Notes Placeholder 2"/>
+          <p:cNvSpPr>
+            <a:spLocks noGrp="1"/>
+          </p:cNvSpPr>
+          <p:nvPr>
+            <p:ph type="body" idx="1"/>
+          </p:nvPr>
+        </p:nvSpPr>
+        <p:spPr/>
+        <p:txBody>
+          <a:bodyPr/>
+          <a:lstStyle/>
+          <a:p>
+            <a:endParaRPr lang="en-GB" dirty="0"/>
+          </a:p>
+        </p:txBody>
+      </p:sp>
+      <p:sp>
+        <p:nvSpPr>
+          <p:cNvPr id="4" name="Slide Number Placeholder 3"/>
+          <p:cNvSpPr>
+            <a:spLocks noGrp="1"/>
+          </p:cNvSpPr>
+          <p:nvPr>
+            <p:ph type="sldNum" sz="quarter" idx="10"/>
+          </p:nvPr>
+        </p:nvSpPr>
+        <p:spPr/>
+        <p:txBody>
+          <a:bodyPr/>
+          <a:lstStyle/>
+          <a:p>
+            <a:fld id="{72E75F3B-3790-4851-9A7C-8EF1D47A592B}" type="slidenum">
+              <a:rPr lang="en-GB" smtClean="0"/>
+              <a:t>5</a:t>
+            </a:fld>
+            <a:endParaRPr lang="en-GB"/>
+          </a:p>
+        </p:txBody>
+      </p:sp>
+    </p:spTree>
+    <p:extLst>
+      <p:ext uri="{BB962C8B-B14F-4D97-AF65-F5344CB8AC3E}">
+        <p14:creationId xmlns:p14="http://schemas.microsoft.com/office/powerpoint/2010/main" val="2194703185"/>
+      </p:ext>
+    </p:extLst>
+  </p:cSld>
+  <p:clrMapOvr>
+    <a:masterClrMapping/>
+  </p:clrMapOvr>
+</p:notes>
+</file>
+
+<file path=ppt/notesSlides/notesSlide2.xml><?xml version="1.0" encoding="utf-8"?>
+<p:notes xmlns:a="http://schemas.openxmlformats.org/drawingml/2006/main" xmlns:r="http://schemas.openxmlformats.org/officeDocument/2006/relationships" xmlns:p="http://schemas.openxmlformats.org/presentationml/2006/main">
+  <p:cSld>
+    <p:spTree>
+      <p:nvGrpSpPr>
+        <p:cNvPr id="1" name=""/>
+        <p:cNvGrpSpPr/>
+        <p:nvPr/>
+      </p:nvGrpSpPr>
+      <p:grpSpPr>
+        <a:xfrm>
+          <a:off x="0" y="0"/>
+          <a:ext cx="0" cy="0"/>
+          <a:chOff x="0" y="0"/>
+          <a:chExt cx="0" cy="0"/>
+        </a:xfrm>
+      </p:grpSpPr>
+      <p:sp>
+        <p:nvSpPr>
+          <p:cNvPr id="2" name="Slide Image Placeholder 1"/>
+          <p:cNvSpPr>
+            <a:spLocks noGrp="1" noRot="1" noChangeAspect="1"/>
+          </p:cNvSpPr>
+          <p:nvPr>
+            <p:ph type="sldImg"/>
+          </p:nvPr>
+        </p:nvSpPr>
+        <p:spPr/>
+      </p:sp>
+      <p:sp>
+        <p:nvSpPr>
+          <p:cNvPr id="3" name="Notes Placeholder 2"/>
+          <p:cNvSpPr>
+            <a:spLocks noGrp="1"/>
+          </p:cNvSpPr>
+          <p:nvPr>
+            <p:ph type="body" idx="1"/>
+          </p:nvPr>
+        </p:nvSpPr>
+        <p:spPr/>
+        <p:txBody>
+          <a:bodyPr/>
+          <a:lstStyle/>
+          <a:p>
+            <a:r>
+              <a:rPr lang="de-CH" dirty="0"/>
+              <a:t>Our development process became much easier after we started using Github Project</a:t>
+            </a:r>
+            <a:endParaRPr lang="en-GB" dirty="0"/>
+          </a:p>
+        </p:txBody>
+      </p:sp>
+      <p:sp>
+        <p:nvSpPr>
+          <p:cNvPr id="4" name="Slide Number Placeholder 3"/>
+          <p:cNvSpPr>
+            <a:spLocks noGrp="1"/>
+          </p:cNvSpPr>
+          <p:nvPr>
+            <p:ph type="sldNum" sz="quarter" idx="10"/>
+          </p:nvPr>
+        </p:nvSpPr>
+        <p:spPr/>
+        <p:txBody>
+          <a:bodyPr/>
+          <a:lstStyle/>
+          <a:p>
+            <a:fld id="{72E75F3B-3790-4851-9A7C-8EF1D47A592B}" type="slidenum">
+              <a:rPr lang="en-GB" smtClean="0"/>
+              <a:t>6</a:t>
+            </a:fld>
+            <a:endParaRPr lang="en-GB"/>
+          </a:p>
+        </p:txBody>
+      </p:sp>
+    </p:spTree>
+    <p:extLst>
+      <p:ext uri="{BB962C8B-B14F-4D97-AF65-F5344CB8AC3E}">
+        <p14:creationId xmlns:p14="http://schemas.microsoft.com/office/powerpoint/2010/main" val="2055378728"/>
+      </p:ext>
+    </p:extLst>
+  </p:cSld>
+  <p:clrMapOvr>
+    <a:masterClrMapping/>
+  </p:clrMapOvr>
+</p:notes>
 </file>
 
 <file path=ppt/slideLayouts/slideLayout1.xml><?xml version="1.0" encoding="utf-8"?>
@@ -8406,6 +8578,9 @@
             </a:r>
           </a:p>
           <a:p>
+            <a:endParaRPr lang="de-CH" dirty="0"/>
+          </a:p>
+          <a:p>
             <a:endParaRPr lang="en-GB" dirty="0"/>
           </a:p>
         </p:txBody>
@@ -8608,7 +8783,7 @@
           </p:nvPr>
         </p:nvPicPr>
         <p:blipFill rotWithShape="1">
-          <a:blip r:embed="rId2"/>
+          <a:blip r:embed="rId3"/>
           <a:srcRect l="26546" t="21671" r="26619" b="22325"/>
           <a:stretch/>
         </p:blipFill>
@@ -8654,24 +8829,30 @@
           <a:bodyPr/>
           <a:lstStyle/>
           <a:p>
+            <a:pPr marL="285750" indent="-285750">
+              <a:buFont typeface="Arial" panose="020B0604020202020204" pitchFamily="34" charset="0"/>
+              <a:buChar char="•"/>
+            </a:pPr>
             <a:r>
               <a:rPr lang="de-CH" dirty="0"/>
               <a:t>Team Meetings: once a week </a:t>
             </a:r>
           </a:p>
           <a:p>
-            <a:br>
-              <a:rPr lang="de-CH" dirty="0"/>
-            </a:br>
+            <a:pPr marL="285750" indent="-285750">
+              <a:buFont typeface="Arial" panose="020B0604020202020204" pitchFamily="34" charset="0"/>
+              <a:buChar char="•"/>
+            </a:pPr>
             <a:r>
               <a:rPr lang="de-CH" dirty="0"/>
               <a:t>Communication per: Whatsapp group</a:t>
             </a:r>
           </a:p>
           <a:p>
-            <a:br>
-              <a:rPr lang="de-CH" dirty="0"/>
-            </a:br>
+            <a:pPr marL="285750" indent="-285750">
+              <a:buFont typeface="Arial" panose="020B0604020202020204" pitchFamily="34" charset="0"/>
+              <a:buChar char="•"/>
+            </a:pPr>
             <a:r>
               <a:rPr lang="de-CH" dirty="0"/>
               <a:t>Exchanging documents per: Dropbox</a:t>
@@ -8682,9 +8863,23 @@
             <a:endParaRPr lang="de-CH" dirty="0"/>
           </a:p>
           <a:p>
+            <a:pPr marL="285750" indent="-285750">
+              <a:buFont typeface="Arial" panose="020B0604020202020204" pitchFamily="34" charset="0"/>
+              <a:buChar char="•"/>
+            </a:pPr>
             <a:r>
               <a:rPr lang="de-CH" dirty="0"/>
               <a:t>Meetings with the customer: once a week</a:t>
+            </a:r>
+          </a:p>
+          <a:p>
+            <a:pPr marL="285750" indent="-285750">
+              <a:buFont typeface="Arial" panose="020B0604020202020204" pitchFamily="34" charset="0"/>
+              <a:buChar char="•"/>
+            </a:pPr>
+            <a:r>
+              <a:rPr lang="de-CH" dirty="0"/>
+              <a:t>Before every Meeting with the customer a short preperation with the team</a:t>
             </a:r>
           </a:p>
         </p:txBody>
@@ -8704,7 +8899,7 @@
           <p:nvPr/>
         </p:nvPicPr>
         <p:blipFill>
-          <a:blip r:embed="rId3"/>
+          <a:blip r:embed="rId4"/>
           <a:stretch>
             <a:fillRect/>
           </a:stretch>
@@ -8835,7 +9030,7 @@
           </p:nvPr>
         </p:nvPicPr>
         <p:blipFill>
-          <a:blip r:embed="rId2"/>
+          <a:blip r:embed="rId3"/>
           <a:stretch>
             <a:fillRect/>
           </a:stretch>
@@ -8867,7 +9062,7 @@
           </p:nvPr>
         </p:nvPicPr>
         <p:blipFill rotWithShape="1">
-          <a:blip r:embed="rId3"/>
+          <a:blip r:embed="rId4"/>
           <a:srcRect t="7015"/>
           <a:stretch/>
         </p:blipFill>

--- a/Presentation/Presentation.pptx
+++ b/Presentation/Presentation.pptx
@@ -221,7 +221,7 @@
           <a:p>
             <a:fld id="{28D56B04-8EAC-4BFB-9C34-868FF10EDBAC}" type="datetimeFigureOut">
               <a:rPr lang="en-GB" smtClean="0"/>
-              <a:t>08/12/2017</a:t>
+              <a:t>11/12/2017</a:t>
             </a:fld>
             <a:endParaRPr lang="en-GB"/>
           </a:p>
@@ -380,7 +380,7 @@
           <a:p>
             <a:fld id="{72E75F3B-3790-4851-9A7C-8EF1D47A592B}" type="slidenum">
               <a:rPr lang="en-GB" smtClean="0"/>
-              <a:t>‹#›</a:t>
+              <a:t>‹Nr.›</a:t>
             </a:fld>
             <a:endParaRPr lang="en-GB"/>
           </a:p>
@@ -935,7 +935,7 @@
           <a:p>
             <a:fld id="{AF239A9A-B4B0-4B32-B8CD-2E25E95134C4}" type="datetimeFigureOut">
               <a:rPr lang="en-US" dirty="0"/>
-              <a:t>12/8/2017</a:t>
+              <a:t>12/11/2017</a:t>
             </a:fld>
             <a:endParaRPr lang="en-US" dirty="0"/>
           </a:p>
@@ -982,7 +982,7 @@
           <a:p>
             <a:fld id="{6D22F896-40B5-4ADD-8801-0D06FADFA095}" type="slidenum">
               <a:rPr lang="en-US" dirty="0"/>
-              <a:t>‹#›</a:t>
+              <a:t>‹Nr.›</a:t>
             </a:fld>
             <a:endParaRPr lang="en-US" dirty="0"/>
           </a:p>
@@ -1344,7 +1344,7 @@
           <a:p>
             <a:fld id="{F25518A9-B687-4302-9395-2322403C6656}" type="datetimeFigureOut">
               <a:rPr lang="en-US" dirty="0"/>
-              <a:t>12/8/2017</a:t>
+              <a:t>12/11/2017</a:t>
             </a:fld>
             <a:endParaRPr lang="en-US" dirty="0"/>
           </a:p>
@@ -1391,7 +1391,7 @@
           <a:p>
             <a:fld id="{6D22F896-40B5-4ADD-8801-0D06FADFA095}" type="slidenum">
               <a:rPr lang="en-US" dirty="0"/>
-              <a:t>‹#›</a:t>
+              <a:t>‹Nr.›</a:t>
             </a:fld>
             <a:endParaRPr lang="en-US" dirty="0"/>
           </a:p>
@@ -1675,7 +1675,7 @@
           <a:p>
             <a:fld id="{1A99A684-0CB7-41E9-A4DF-5D1C2CA5BF6F}" type="datetimeFigureOut">
               <a:rPr lang="en-US" dirty="0"/>
-              <a:t>12/8/2017</a:t>
+              <a:t>12/11/2017</a:t>
             </a:fld>
             <a:endParaRPr lang="en-US" dirty="0"/>
           </a:p>
@@ -1722,7 +1722,7 @@
           <a:p>
             <a:fld id="{6D22F896-40B5-4ADD-8801-0D06FADFA095}" type="slidenum">
               <a:rPr lang="en-US" dirty="0"/>
-              <a:t>‹#›</a:t>
+              <a:t>‹Nr.›</a:t>
             </a:fld>
             <a:endParaRPr lang="en-US" dirty="0"/>
           </a:p>
@@ -2075,7 +2075,7 @@
           <a:p>
             <a:fld id="{FEDD7C35-9E19-4518-A4B2-3B09CD8CC756}" type="datetimeFigureOut">
               <a:rPr lang="en-US" dirty="0"/>
-              <a:t>12/8/2017</a:t>
+              <a:t>12/11/2017</a:t>
             </a:fld>
             <a:endParaRPr lang="en-US" dirty="0"/>
           </a:p>
@@ -2122,7 +2122,7 @@
           <a:p>
             <a:fld id="{6D22F896-40B5-4ADD-8801-0D06FADFA095}" type="slidenum">
               <a:rPr lang="en-US" dirty="0"/>
-              <a:t>‹#›</a:t>
+              <a:t>‹Nr.›</a:t>
             </a:fld>
             <a:endParaRPr lang="en-US" dirty="0"/>
           </a:p>
@@ -2638,7 +2638,7 @@
           <a:p>
             <a:fld id="{26196DA8-8897-4DDF-BFB6-5D83863C837A}" type="datetimeFigureOut">
               <a:rPr lang="en-US" dirty="0"/>
-              <a:t>12/8/2017</a:t>
+              <a:t>12/11/2017</a:t>
             </a:fld>
             <a:endParaRPr lang="en-US" dirty="0"/>
           </a:p>
@@ -2685,7 +2685,7 @@
           <a:p>
             <a:fld id="{6D22F896-40B5-4ADD-8801-0D06FADFA095}" type="slidenum">
               <a:rPr lang="en-US" dirty="0"/>
-              <a:t>‹#›</a:t>
+              <a:t>‹Nr.›</a:t>
             </a:fld>
             <a:endParaRPr lang="en-US" dirty="0"/>
           </a:p>
@@ -3314,7 +3314,7 @@
           <a:p>
             <a:fld id="{DCBBA708-C5F0-412D-90E2-1919F0D196AE}" type="datetimeFigureOut">
               <a:rPr lang="en-US" dirty="0"/>
-              <a:t>12/8/2017</a:t>
+              <a:t>12/11/2017</a:t>
             </a:fld>
             <a:endParaRPr lang="en-US" dirty="0"/>
           </a:p>
@@ -3356,7 +3356,7 @@
           <a:p>
             <a:fld id="{6D22F896-40B5-4ADD-8801-0D06FADFA095}" type="slidenum">
               <a:rPr lang="en-US" dirty="0"/>
-              <a:t>‹#›</a:t>
+              <a:t>‹Nr.›</a:t>
             </a:fld>
             <a:endParaRPr lang="en-US" dirty="0"/>
           </a:p>
@@ -4222,7 +4222,7 @@
           <a:p>
             <a:fld id="{A9C8F8FA-EF43-4642-9368-3F4E33039BD9}" type="datetimeFigureOut">
               <a:rPr lang="en-US" dirty="0"/>
-              <a:t>12/8/2017</a:t>
+              <a:t>12/11/2017</a:t>
             </a:fld>
             <a:endParaRPr lang="en-US" dirty="0"/>
           </a:p>
@@ -4264,7 +4264,7 @@
           <a:p>
             <a:fld id="{6D22F896-40B5-4ADD-8801-0D06FADFA095}" type="slidenum">
               <a:rPr lang="en-US" dirty="0"/>
-              <a:t>‹#›</a:t>
+              <a:t>‹Nr.›</a:t>
             </a:fld>
             <a:endParaRPr lang="en-US" dirty="0"/>
           </a:p>
@@ -4530,7 +4530,7 @@
           <a:p>
             <a:fld id="{6B61E721-B01C-4D5D-A3CA-2E5518383F10}" type="datetimeFigureOut">
               <a:rPr lang="en-US" dirty="0"/>
-              <a:t>12/8/2017</a:t>
+              <a:t>12/11/2017</a:t>
             </a:fld>
             <a:endParaRPr lang="en-US" dirty="0"/>
           </a:p>
@@ -4572,7 +4572,7 @@
           <a:p>
             <a:fld id="{6D22F896-40B5-4ADD-8801-0D06FADFA095}" type="slidenum">
               <a:rPr lang="en-US" dirty="0"/>
-              <a:t>‹#›</a:t>
+              <a:t>‹Nr.›</a:t>
             </a:fld>
             <a:endParaRPr lang="en-US" dirty="0"/>
           </a:p>
@@ -4789,7 +4789,7 @@
           <a:p>
             <a:fld id="{6513FEF9-69D0-4F8C-A336-59491FBEDC47}" type="datetimeFigureOut">
               <a:rPr lang="en-US" dirty="0"/>
-              <a:t>12/8/2017</a:t>
+              <a:t>12/11/2017</a:t>
             </a:fld>
             <a:endParaRPr lang="en-US" dirty="0"/>
           </a:p>
@@ -4846,7 +4846,7 @@
             <a:fld id="{6D22F896-40B5-4ADD-8801-0D06FADFA095}" type="slidenum">
               <a:rPr lang="en-US" dirty="0"/>
               <a:pPr/>
-              <a:t>‹#›</a:t>
+              <a:t>‹Nr.›</a:t>
             </a:fld>
             <a:endParaRPr lang="en-US" dirty="0"/>
           </a:p>
@@ -5126,7 +5126,7 @@
           <a:p>
             <a:fld id="{A91E21DC-8981-44E6-BC8C-2BA8F673FFBB}" type="datetimeFigureOut">
               <a:rPr lang="en-US" dirty="0"/>
-              <a:t>12/8/2017</a:t>
+              <a:t>12/11/2017</a:t>
             </a:fld>
             <a:endParaRPr lang="en-US" dirty="0"/>
           </a:p>
@@ -5168,7 +5168,7 @@
           <a:p>
             <a:fld id="{6D22F896-40B5-4ADD-8801-0D06FADFA095}" type="slidenum">
               <a:rPr lang="en-US" dirty="0"/>
-              <a:t>‹#›</a:t>
+              <a:t>‹Nr.›</a:t>
             </a:fld>
             <a:endParaRPr lang="en-US" dirty="0"/>
           </a:p>
@@ -5510,7 +5510,7 @@
           <a:p>
             <a:fld id="{AEB9C5D3-0140-4E75-8D7F-C0623D06DFD7}" type="datetimeFigureOut">
               <a:rPr lang="en-US" dirty="0"/>
-              <a:t>12/8/2017</a:t>
+              <a:t>12/11/2017</a:t>
             </a:fld>
             <a:endParaRPr lang="en-US" dirty="0"/>
           </a:p>
@@ -5557,7 +5557,7 @@
           <a:p>
             <a:fld id="{6D22F896-40B5-4ADD-8801-0D06FADFA095}" type="slidenum">
               <a:rPr lang="en-US" dirty="0"/>
-              <a:t>‹#›</a:t>
+              <a:t>‹Nr.›</a:t>
             </a:fld>
             <a:endParaRPr lang="en-US" dirty="0"/>
           </a:p>
@@ -5881,7 +5881,7 @@
           <a:p>
             <a:fld id="{3A5666F9-5B40-48E0-8DFD-99EF944CDD22}" type="datetimeFigureOut">
               <a:rPr lang="en-US" dirty="0"/>
-              <a:t>12/8/2017</a:t>
+              <a:t>12/11/2017</a:t>
             </a:fld>
             <a:endParaRPr lang="en-US" dirty="0"/>
           </a:p>
@@ -5923,7 +5923,7 @@
           <a:p>
             <a:fld id="{6D22F896-40B5-4ADD-8801-0D06FADFA095}" type="slidenum">
               <a:rPr lang="en-US" dirty="0"/>
-              <a:t>‹#›</a:t>
+              <a:t>‹Nr.›</a:t>
             </a:fld>
             <a:endParaRPr lang="en-US" dirty="0"/>
           </a:p>
@@ -6382,7 +6382,7 @@
           <a:p>
             <a:fld id="{2A698D6B-2C72-4E21-9893-A649C6E2A47D}" type="datetimeFigureOut">
               <a:rPr lang="en-US" dirty="0"/>
-              <a:t>12/8/2017</a:t>
+              <a:t>12/11/2017</a:t>
             </a:fld>
             <a:endParaRPr lang="en-US" dirty="0"/>
           </a:p>
@@ -6424,7 +6424,7 @@
           <a:p>
             <a:fld id="{6D22F896-40B5-4ADD-8801-0D06FADFA095}" type="slidenum">
               <a:rPr lang="en-US" dirty="0"/>
-              <a:t>‹#›</a:t>
+              <a:t>‹Nr.›</a:t>
             </a:fld>
             <a:endParaRPr lang="en-US" dirty="0"/>
           </a:p>
@@ -6634,7 +6634,7 @@
           <a:p>
             <a:fld id="{C86811C9-A66C-49F0-970E-F7B68D9109A0}" type="datetimeFigureOut">
               <a:rPr lang="en-US" dirty="0"/>
-              <a:t>12/8/2017</a:t>
+              <a:t>12/11/2017</a:t>
             </a:fld>
             <a:endParaRPr lang="en-US" dirty="0"/>
           </a:p>
@@ -6676,7 +6676,7 @@
           <a:p>
             <a:fld id="{6D22F896-40B5-4ADD-8801-0D06FADFA095}" type="slidenum">
               <a:rPr lang="en-US" dirty="0"/>
-              <a:t>‹#›</a:t>
+              <a:t>‹Nr.›</a:t>
             </a:fld>
             <a:endParaRPr lang="en-US" dirty="0"/>
           </a:p>
@@ -6792,7 +6792,7 @@
           <a:p>
             <a:fld id="{6C01AE78-96A2-4A23-B183-3B6DB4374FE7}" type="datetimeFigureOut">
               <a:rPr lang="en-US" dirty="0"/>
-              <a:t>12/8/2017</a:t>
+              <a:t>12/11/2017</a:t>
             </a:fld>
             <a:endParaRPr lang="en-US" dirty="0"/>
           </a:p>
@@ -6834,7 +6834,7 @@
           <a:p>
             <a:fld id="{6D22F896-40B5-4ADD-8801-0D06FADFA095}" type="slidenum">
               <a:rPr lang="en-US" dirty="0"/>
-              <a:t>‹#›</a:t>
+              <a:t>‹Nr.›</a:t>
             </a:fld>
             <a:endParaRPr lang="en-US" dirty="0"/>
           </a:p>
@@ -7177,7 +7177,7 @@
           <a:p>
             <a:fld id="{73AE0757-B101-4811-9189-10EB2F458E2D}" type="datetimeFigureOut">
               <a:rPr lang="en-US" dirty="0"/>
-              <a:t>12/8/2017</a:t>
+              <a:t>12/11/2017</a:t>
             </a:fld>
             <a:endParaRPr lang="en-US" dirty="0"/>
           </a:p>
@@ -7219,7 +7219,7 @@
           <a:p>
             <a:fld id="{6D22F896-40B5-4ADD-8801-0D06FADFA095}" type="slidenum">
               <a:rPr lang="en-US" dirty="0"/>
-              <a:t>‹#›</a:t>
+              <a:t>‹Nr.›</a:t>
             </a:fld>
             <a:endParaRPr lang="en-US" dirty="0"/>
           </a:p>
@@ -7581,7 +7581,7 @@
           <a:p>
             <a:fld id="{7EBDC078-589F-40E3-816C-EE21D62B5BBA}" type="datetimeFigureOut">
               <a:rPr lang="en-US" dirty="0"/>
-              <a:t>12/8/2017</a:t>
+              <a:t>12/11/2017</a:t>
             </a:fld>
             <a:endParaRPr lang="en-US" dirty="0"/>
           </a:p>
@@ -7623,7 +7623,7 @@
           <a:p>
             <a:fld id="{6D22F896-40B5-4ADD-8801-0D06FADFA095}" type="slidenum">
               <a:rPr lang="en-US" dirty="0"/>
-              <a:t>‹#›</a:t>
+              <a:t>‹Nr.›</a:t>
             </a:fld>
             <a:endParaRPr lang="en-US" dirty="0"/>
           </a:p>
@@ -7820,7 +7820,7 @@
           <a:p>
             <a:fld id="{C7004436-CA73-4D53-89B4-2A5C7347BF2F}" type="datetimeFigureOut">
               <a:rPr lang="en-US" dirty="0"/>
-              <a:t>12/8/2017</a:t>
+              <a:t>12/11/2017</a:t>
             </a:fld>
             <a:endParaRPr lang="en-US" dirty="0"/>
           </a:p>
@@ -7899,7 +7899,7 @@
             <a:fld id="{6D22F896-40B5-4ADD-8801-0D06FADFA095}" type="slidenum">
               <a:rPr lang="en-US" dirty="0"/>
               <a:pPr/>
-              <a:t>‹#›</a:t>
+              <a:t>‹Nr.›</a:t>
             </a:fld>
             <a:endParaRPr lang="en-US" dirty="0"/>
           </a:p>
@@ -8268,7 +8268,7 @@
           <p:cNvPr id="2" name="Title 1">
             <a:extLst>
               <a:ext uri="{FF2B5EF4-FFF2-40B4-BE49-F238E27FC236}">
-                <a16:creationId xmlns:a16="http://schemas.microsoft.com/office/drawing/2014/main" id="{A7983FE4-D0CD-4A77-9BF5-040EB7E0B57C}"/>
+                <a16:creationId xmlns:a16="http://schemas.microsoft.com/office/drawing/2014/main" xmlns="" id="{A7983FE4-D0CD-4A77-9BF5-040EB7E0B57C}"/>
               </a:ext>
             </a:extLst>
           </p:cNvPr>
@@ -8303,7 +8303,7 @@
           <p:cNvPr id="3" name="Subtitle 2">
             <a:extLst>
               <a:ext uri="{FF2B5EF4-FFF2-40B4-BE49-F238E27FC236}">
-                <a16:creationId xmlns:a16="http://schemas.microsoft.com/office/drawing/2014/main" id="{0BBA32C8-ACE6-448E-9DA3-E26D74205911}"/>
+                <a16:creationId xmlns:a16="http://schemas.microsoft.com/office/drawing/2014/main" xmlns="" id="{0BBA32C8-ACE6-448E-9DA3-E26D74205911}"/>
               </a:ext>
             </a:extLst>
           </p:cNvPr>
@@ -8339,7 +8339,7 @@
           <p:cNvPr id="5" name="Picture 4">
             <a:extLst>
               <a:ext uri="{FF2B5EF4-FFF2-40B4-BE49-F238E27FC236}">
-                <a16:creationId xmlns:a16="http://schemas.microsoft.com/office/drawing/2014/main" id="{3FE73D6B-E21E-4A51-9969-4D26FBC6E01E}"/>
+                <a16:creationId xmlns:a16="http://schemas.microsoft.com/office/drawing/2014/main" xmlns="" id="{3FE73D6B-E21E-4A51-9969-4D26FBC6E01E}"/>
               </a:ext>
             </a:extLst>
           </p:cNvPr>
@@ -8399,7 +8399,7 @@
           <p:cNvPr id="2" name="Title 1">
             <a:extLst>
               <a:ext uri="{FF2B5EF4-FFF2-40B4-BE49-F238E27FC236}">
-                <a16:creationId xmlns:a16="http://schemas.microsoft.com/office/drawing/2014/main" id="{12B8AD84-1DE6-4595-8387-F70A690084BF}"/>
+                <a16:creationId xmlns:a16="http://schemas.microsoft.com/office/drawing/2014/main" xmlns="" id="{12B8AD84-1DE6-4595-8387-F70A690084BF}"/>
               </a:ext>
             </a:extLst>
           </p:cNvPr>
@@ -8428,7 +8428,7 @@
           <p:cNvPr id="3" name="Content Placeholder 2">
             <a:extLst>
               <a:ext uri="{FF2B5EF4-FFF2-40B4-BE49-F238E27FC236}">
-                <a16:creationId xmlns:a16="http://schemas.microsoft.com/office/drawing/2014/main" id="{4B257F0E-5EEC-41D2-B7E5-9504FF19C678}"/>
+                <a16:creationId xmlns:a16="http://schemas.microsoft.com/office/drawing/2014/main" xmlns="" id="{4B257F0E-5EEC-41D2-B7E5-9504FF19C678}"/>
               </a:ext>
             </a:extLst>
           </p:cNvPr>
@@ -8511,7 +8511,7 @@
           <p:cNvPr id="2" name="Title 1">
             <a:extLst>
               <a:ext uri="{FF2B5EF4-FFF2-40B4-BE49-F238E27FC236}">
-                <a16:creationId xmlns:a16="http://schemas.microsoft.com/office/drawing/2014/main" id="{4C65008A-464A-4557-AB70-942648472C6F}"/>
+                <a16:creationId xmlns:a16="http://schemas.microsoft.com/office/drawing/2014/main" xmlns="" id="{4C65008A-464A-4557-AB70-942648472C6F}"/>
               </a:ext>
             </a:extLst>
           </p:cNvPr>
@@ -8522,12 +8522,7 @@
             <p:ph type="title"/>
           </p:nvPr>
         </p:nvSpPr>
-        <p:spPr>
-          <a:xfrm>
-            <a:off x="680321" y="753228"/>
-            <a:ext cx="9613861" cy="1080938"/>
-          </a:xfrm>
-        </p:spPr>
+        <p:spPr/>
         <p:txBody>
           <a:bodyPr/>
           <a:lstStyle/>
@@ -8545,7 +8540,7 @@
           <p:cNvPr id="3" name="Content Placeholder 2">
             <a:extLst>
               <a:ext uri="{FF2B5EF4-FFF2-40B4-BE49-F238E27FC236}">
-                <a16:creationId xmlns:a16="http://schemas.microsoft.com/office/drawing/2014/main" id="{0B54EE4F-0A4C-488F-8500-BB0035909DBB}"/>
+                <a16:creationId xmlns:a16="http://schemas.microsoft.com/office/drawing/2014/main" xmlns="" id="{0B54EE4F-0A4C-488F-8500-BB0035909DBB}"/>
               </a:ext>
             </a:extLst>
           </p:cNvPr>
@@ -8556,32 +8551,41 @@
             <p:ph sz="half" idx="1"/>
           </p:nvPr>
         </p:nvSpPr>
-        <p:spPr>
-          <a:xfrm>
-            <a:off x="680320" y="2336873"/>
-            <a:ext cx="4698358" cy="3599316"/>
-          </a:xfrm>
-        </p:spPr>
-        <p:txBody>
-          <a:bodyPr/>
+        <p:spPr/>
+        <p:txBody>
+          <a:bodyPr>
+            <a:normAutofit/>
+          </a:bodyPr>
           <a:lstStyle/>
           <a:p>
             <a:r>
-              <a:rPr lang="de-CH" dirty="0"/>
-              <a:t>Responsive Design </a:t>
-            </a:r>
-          </a:p>
-          <a:p>
-            <a:r>
-              <a:rPr lang="de-CH" dirty="0"/>
-              <a:t>Register/Log in</a:t>
-            </a:r>
-          </a:p>
-          <a:p>
-            <a:endParaRPr lang="de-CH" dirty="0"/>
-          </a:p>
-          <a:p>
-            <a:endParaRPr lang="en-GB" dirty="0"/>
+              <a:rPr lang="en-GB" sz="2400" dirty="0" smtClean="0"/>
+              <a:t>Animal transport</a:t>
+            </a:r>
+          </a:p>
+          <a:p>
+            <a:r>
+              <a:rPr lang="en-GB" sz="2400" dirty="0" smtClean="0"/>
+              <a:t>Create/Edit trips</a:t>
+            </a:r>
+          </a:p>
+          <a:p>
+            <a:r>
+              <a:rPr lang="en-GB" sz="2400" dirty="0" smtClean="0"/>
+              <a:t>Assign driver and vehicle</a:t>
+            </a:r>
+          </a:p>
+          <a:p>
+            <a:endParaRPr lang="en-GB" sz="2400" dirty="0" smtClean="0"/>
+          </a:p>
+          <a:p>
+            <a:endParaRPr lang="en-GB" sz="2400" dirty="0" smtClean="0"/>
+          </a:p>
+          <a:p>
+            <a:endParaRPr lang="en-GB" sz="2400" dirty="0" smtClean="0"/>
+          </a:p>
+          <a:p>
+            <a:endParaRPr lang="en-GB" sz="2400" dirty="0"/>
           </a:p>
         </p:txBody>
       </p:sp>
@@ -8590,7 +8594,7 @@
           <p:cNvPr id="6" name="Content Placeholder 5">
             <a:extLst>
               <a:ext uri="{FF2B5EF4-FFF2-40B4-BE49-F238E27FC236}">
-                <a16:creationId xmlns:a16="http://schemas.microsoft.com/office/drawing/2014/main" id="{5FB9C09F-0C3B-4F4C-B466-82CE57AD7E72}"/>
+                <a16:creationId xmlns:a16="http://schemas.microsoft.com/office/drawing/2014/main" xmlns="" id="{5FB9C09F-0C3B-4F4C-B466-82CE57AD7E72}"/>
               </a:ext>
             </a:extLst>
           </p:cNvPr>
@@ -8649,7 +8653,7 @@
           <p:cNvPr id="2" name="Title 1">
             <a:extLst>
               <a:ext uri="{FF2B5EF4-FFF2-40B4-BE49-F238E27FC236}">
-                <a16:creationId xmlns:a16="http://schemas.microsoft.com/office/drawing/2014/main" id="{DBB512FF-2AE3-45B1-9B19-7795BE124251}"/>
+                <a16:creationId xmlns:a16="http://schemas.microsoft.com/office/drawing/2014/main" xmlns="" id="{DBB512FF-2AE3-45B1-9B19-7795BE124251}"/>
               </a:ext>
             </a:extLst>
           </p:cNvPr>
@@ -8678,7 +8682,7 @@
           <p:cNvPr id="5" name="Content Placeholder 4">
             <a:extLst>
               <a:ext uri="{FF2B5EF4-FFF2-40B4-BE49-F238E27FC236}">
-                <a16:creationId xmlns:a16="http://schemas.microsoft.com/office/drawing/2014/main" id="{C8A2E25D-B461-4DD6-93B0-EDE5CBDC5370}"/>
+                <a16:creationId xmlns:a16="http://schemas.microsoft.com/office/drawing/2014/main" xmlns="" id="{C8A2E25D-B461-4DD6-93B0-EDE5CBDC5370}"/>
               </a:ext>
             </a:extLst>
           </p:cNvPr>
@@ -8697,8 +8701,8 @@
         </p:blipFill>
         <p:spPr>
           <a:xfrm>
-            <a:off x="3395086" y="2261089"/>
-            <a:ext cx="5401827" cy="4210874"/>
+            <a:off x="2675584" y="2202245"/>
+            <a:ext cx="5623333" cy="4383543"/>
           </a:xfrm>
         </p:spPr>
       </p:pic>
@@ -8712,6 +8716,13 @@
   <p:clrMapOvr>
     <a:masterClrMapping/>
   </p:clrMapOvr>
+  <p:timing>
+    <p:tnLst>
+      <p:par>
+        <p:cTn id="1" dur="indefinite" restart="never" nodeType="tmRoot"/>
+      </p:par>
+    </p:tnLst>
+  </p:timing>
 </p:sld>
 </file>
 
@@ -8737,7 +8748,7 @@
           <p:cNvPr id="2" name="Title 1">
             <a:extLst>
               <a:ext uri="{FF2B5EF4-FFF2-40B4-BE49-F238E27FC236}">
-                <a16:creationId xmlns:a16="http://schemas.microsoft.com/office/drawing/2014/main" id="{AD85460E-640A-45EA-A1B2-AC317B819AD9}"/>
+                <a16:creationId xmlns:a16="http://schemas.microsoft.com/office/drawing/2014/main" xmlns="" id="{AD85460E-640A-45EA-A1B2-AC317B819AD9}"/>
               </a:ext>
             </a:extLst>
           </p:cNvPr>
@@ -8748,12 +8759,7 @@
             <p:ph type="title"/>
           </p:nvPr>
         </p:nvSpPr>
-        <p:spPr>
-          <a:xfrm>
-            <a:off x="680321" y="753227"/>
-            <a:ext cx="9613859" cy="1080940"/>
-          </a:xfrm>
-        </p:spPr>
+        <p:spPr/>
         <p:txBody>
           <a:bodyPr/>
           <a:lstStyle/>
@@ -8771,7 +8777,7 @@
           <p:cNvPr id="6" name="Content Placeholder 5">
             <a:extLst>
               <a:ext uri="{FF2B5EF4-FFF2-40B4-BE49-F238E27FC236}">
-                <a16:creationId xmlns:a16="http://schemas.microsoft.com/office/drawing/2014/main" id="{0F9144DC-BCA4-4775-AEB9-14F342BC1441}"/>
+                <a16:creationId xmlns:a16="http://schemas.microsoft.com/office/drawing/2014/main" xmlns="" id="{0F9144DC-BCA4-4775-AEB9-14F342BC1441}"/>
               </a:ext>
             </a:extLst>
           </p:cNvPr>
@@ -8808,7 +8814,7 @@
           <p:cNvPr id="4" name="Text Placeholder 3">
             <a:extLst>
               <a:ext uri="{FF2B5EF4-FFF2-40B4-BE49-F238E27FC236}">
-                <a16:creationId xmlns:a16="http://schemas.microsoft.com/office/drawing/2014/main" id="{9C14A345-01B0-4177-B3D4-09C755CC8FA1}"/>
+                <a16:creationId xmlns:a16="http://schemas.microsoft.com/office/drawing/2014/main" xmlns="" id="{9C14A345-01B0-4177-B3D4-09C755CC8FA1}"/>
               </a:ext>
             </a:extLst>
           </p:cNvPr>
@@ -8819,14 +8825,11 @@
             <p:ph type="body" sz="half" idx="2"/>
           </p:nvPr>
         </p:nvSpPr>
-        <p:spPr>
-          <a:xfrm>
-            <a:off x="680322" y="2336872"/>
-            <a:ext cx="3790078" cy="3599317"/>
-          </a:xfrm>
-        </p:spPr>
-        <p:txBody>
-          <a:bodyPr/>
+        <p:spPr/>
+        <p:txBody>
+          <a:bodyPr>
+            <a:normAutofit/>
+          </a:bodyPr>
           <a:lstStyle/>
           <a:p>
             <a:pPr marL="285750" indent="-285750">
@@ -8834,9 +8837,14 @@
               <a:buChar char="•"/>
             </a:pPr>
             <a:r>
-              <a:rPr lang="de-CH" dirty="0"/>
-              <a:t>Team Meetings: once a week </a:t>
-            </a:r>
+              <a:rPr lang="de-CH" sz="2400" dirty="0"/>
+              <a:t>Team </a:t>
+            </a:r>
+            <a:r>
+              <a:rPr lang="de-CH" sz="2400" dirty="0" smtClean="0"/>
+              <a:t>Meetings</a:t>
+            </a:r>
+            <a:endParaRPr lang="de-CH" sz="2400" dirty="0"/>
           </a:p>
           <a:p>
             <a:pPr marL="285750" indent="-285750">
@@ -8844,8 +8852,8 @@
               <a:buChar char="•"/>
             </a:pPr>
             <a:r>
-              <a:rPr lang="de-CH" dirty="0"/>
-              <a:t>Communication per: Whatsapp group</a:t>
+              <a:rPr lang="de-CH" sz="2400" dirty="0" smtClean="0"/>
+              <a:t>Customer Meetings</a:t>
             </a:r>
           </a:p>
           <a:p>
@@ -8854,13 +8862,10 @@
               <a:buChar char="•"/>
             </a:pPr>
             <a:r>
-              <a:rPr lang="de-CH" dirty="0"/>
-              <a:t>Exchanging documents per: Dropbox</a:t>
-            </a:r>
-            <a:br>
-              <a:rPr lang="de-CH" dirty="0"/>
-            </a:br>
-            <a:endParaRPr lang="de-CH" dirty="0"/>
+              <a:rPr lang="de-CH" sz="2400" dirty="0" err="1" smtClean="0"/>
+              <a:t>Github</a:t>
+            </a:r>
+            <a:endParaRPr lang="de-CH" sz="2400" dirty="0"/>
           </a:p>
           <a:p>
             <a:pPr marL="285750" indent="-285750">
@@ -8868,8 +8873,16 @@
               <a:buChar char="•"/>
             </a:pPr>
             <a:r>
-              <a:rPr lang="de-CH" dirty="0"/>
-              <a:t>Meetings with the customer: once a week</a:t>
+              <a:rPr lang="de-CH" sz="2400" dirty="0" err="1" smtClean="0"/>
+              <a:t>Whatsapp</a:t>
+            </a:r>
+            <a:r>
+              <a:rPr lang="de-CH" sz="2400" dirty="0" smtClean="0"/>
+              <a:t> </a:t>
+            </a:r>
+            <a:r>
+              <a:rPr lang="de-CH" sz="2400" dirty="0"/>
+              <a:t>group</a:t>
             </a:r>
           </a:p>
           <a:p>
@@ -8878,9 +8891,10 @@
               <a:buChar char="•"/>
             </a:pPr>
             <a:r>
-              <a:rPr lang="de-CH" dirty="0"/>
-              <a:t>Before every Meeting with the customer a short preperation with the team</a:t>
-            </a:r>
+              <a:rPr lang="de-CH" sz="2400" dirty="0" smtClean="0"/>
+              <a:t>Dropbox</a:t>
+            </a:r>
+            <a:endParaRPr lang="de-CH" sz="2400" dirty="0"/>
           </a:p>
         </p:txBody>
       </p:sp>
@@ -8889,7 +8903,7 @@
           <p:cNvPr id="8" name="Picture 7" descr="A picture containing clipart, object&#10;&#10;Description generated with high confidence">
             <a:extLst>
               <a:ext uri="{FF2B5EF4-FFF2-40B4-BE49-F238E27FC236}">
-                <a16:creationId xmlns:a16="http://schemas.microsoft.com/office/drawing/2014/main" id="{9F83FACD-048D-4F62-AB24-85DAF3D73C77}"/>
+                <a16:creationId xmlns:a16="http://schemas.microsoft.com/office/drawing/2014/main" xmlns="" id="{9F83FACD-048D-4F62-AB24-85DAF3D73C77}"/>
               </a:ext>
             </a:extLst>
           </p:cNvPr>
@@ -8930,6 +8944,13 @@
   <p:clrMapOvr>
     <a:masterClrMapping/>
   </p:clrMapOvr>
+  <p:timing>
+    <p:tnLst>
+      <p:par>
+        <p:cTn id="1" dur="indefinite" restart="never" nodeType="tmRoot"/>
+      </p:par>
+    </p:tnLst>
+  </p:timing>
 </p:sld>
 </file>
 
@@ -8955,7 +8976,7 @@
           <p:cNvPr id="2" name="Title 1">
             <a:extLst>
               <a:ext uri="{FF2B5EF4-FFF2-40B4-BE49-F238E27FC236}">
-                <a16:creationId xmlns:a16="http://schemas.microsoft.com/office/drawing/2014/main" id="{DEB6C6E9-97FA-48D2-A06E-41A63962301C}"/>
+                <a16:creationId xmlns:a16="http://schemas.microsoft.com/office/drawing/2014/main" xmlns="" id="{DEB6C6E9-97FA-48D2-A06E-41A63962301C}"/>
               </a:ext>
             </a:extLst>
           </p:cNvPr>
@@ -8984,7 +9005,7 @@
           <p:cNvPr id="3" name="Text Placeholder 2">
             <a:extLst>
               <a:ext uri="{FF2B5EF4-FFF2-40B4-BE49-F238E27FC236}">
-                <a16:creationId xmlns:a16="http://schemas.microsoft.com/office/drawing/2014/main" id="{DC9EEB06-5940-411C-ACE1-449904590551}"/>
+                <a16:creationId xmlns:a16="http://schemas.microsoft.com/office/drawing/2014/main" xmlns="" id="{DC9EEB06-5940-411C-ACE1-449904590551}"/>
               </a:ext>
             </a:extLst>
           </p:cNvPr>
@@ -8997,19 +9018,21 @@
         </p:nvSpPr>
         <p:spPr>
           <a:xfrm>
-            <a:off x="3859836" y="2194990"/>
-            <a:ext cx="4472327" cy="693135"/>
-          </a:xfrm>
-        </p:spPr>
-        <p:txBody>
-          <a:bodyPr/>
+            <a:off x="2838631" y="2208509"/>
+            <a:ext cx="5297238" cy="693135"/>
+          </a:xfrm>
+        </p:spPr>
+        <p:txBody>
+          <a:bodyPr>
+            <a:noAutofit/>
+          </a:bodyPr>
           <a:lstStyle/>
           <a:p>
             <a:r>
-              <a:rPr lang="de-CH" dirty="0"/>
+              <a:rPr lang="de-CH" sz="2800" dirty="0"/>
               <a:t>Projects tool: Github Project</a:t>
             </a:r>
-            <a:endParaRPr lang="en-GB" dirty="0"/>
+            <a:endParaRPr lang="en-GB" sz="2800" dirty="0"/>
           </a:p>
         </p:txBody>
       </p:sp>
@@ -9018,7 +9041,7 @@
           <p:cNvPr id="7" name="Content Placeholder 6">
             <a:extLst>
               <a:ext uri="{FF2B5EF4-FFF2-40B4-BE49-F238E27FC236}">
-                <a16:creationId xmlns:a16="http://schemas.microsoft.com/office/drawing/2014/main" id="{B35CA987-F637-43F0-B3DC-74E3BE1EBE80}"/>
+                <a16:creationId xmlns:a16="http://schemas.microsoft.com/office/drawing/2014/main" xmlns="" id="{B35CA987-F637-43F0-B3DC-74E3BE1EBE80}"/>
               </a:ext>
             </a:extLst>
           </p:cNvPr>
@@ -9037,8 +9060,8 @@
         </p:blipFill>
         <p:spPr>
           <a:xfrm>
-            <a:off x="41319" y="3030008"/>
-            <a:ext cx="6054681" cy="3714174"/>
+            <a:off x="0" y="3105064"/>
+            <a:ext cx="5608320" cy="3752936"/>
           </a:xfrm>
           <a:prstGeom prst="rect">
             <a:avLst/>
@@ -9050,7 +9073,7 @@
           <p:cNvPr id="8" name="Content Placeholder 7">
             <a:extLst>
               <a:ext uri="{FF2B5EF4-FFF2-40B4-BE49-F238E27FC236}">
-                <a16:creationId xmlns:a16="http://schemas.microsoft.com/office/drawing/2014/main" id="{39E38A9D-E6F5-4A3A-A276-160F074B9B43}"/>
+                <a16:creationId xmlns:a16="http://schemas.microsoft.com/office/drawing/2014/main" xmlns="" id="{39E38A9D-E6F5-4A3A-A276-160F074B9B43}"/>
               </a:ext>
             </a:extLst>
           </p:cNvPr>
@@ -9063,13 +9086,12 @@
         </p:nvPicPr>
         <p:blipFill rotWithShape="1">
           <a:blip r:embed="rId4"/>
-          <a:srcRect t="7015"/>
           <a:stretch/>
         </p:blipFill>
         <p:spPr>
           <a:xfrm>
-            <a:off x="6096000" y="3030008"/>
-            <a:ext cx="6054681" cy="3714174"/>
+            <a:off x="5548548" y="3105064"/>
+            <a:ext cx="6643452" cy="3752935"/>
           </a:xfrm>
           <a:prstGeom prst="rect">
             <a:avLst/>
@@ -9086,6 +9108,13 @@
   <p:clrMapOvr>
     <a:masterClrMapping/>
   </p:clrMapOvr>
+  <p:timing>
+    <p:tnLst>
+      <p:par>
+        <p:cTn id="1" dur="indefinite" restart="never" nodeType="tmRoot"/>
+      </p:par>
+    </p:tnLst>
+  </p:timing>
 </p:sld>
 </file>
 
@@ -9111,7 +9140,7 @@
           <p:cNvPr id="2" name="Title 1">
             <a:extLst>
               <a:ext uri="{FF2B5EF4-FFF2-40B4-BE49-F238E27FC236}">
-                <a16:creationId xmlns:a16="http://schemas.microsoft.com/office/drawing/2014/main" id="{CD7547A9-3FBD-460F-A89A-8A3F9FAFDB06}"/>
+                <a16:creationId xmlns:a16="http://schemas.microsoft.com/office/drawing/2014/main" xmlns="" id="{CD7547A9-3FBD-460F-A89A-8A3F9FAFDB06}"/>
               </a:ext>
             </a:extLst>
           </p:cNvPr>
@@ -9137,10 +9166,10 @@
       </p:sp>
       <p:sp>
         <p:nvSpPr>
-          <p:cNvPr id="3" name="Text Placeholder 2">
+          <p:cNvPr id="4" name="Content Placeholder 3">
             <a:extLst>
               <a:ext uri="{FF2B5EF4-FFF2-40B4-BE49-F238E27FC236}">
-                <a16:creationId xmlns:a16="http://schemas.microsoft.com/office/drawing/2014/main" id="{9BA311C1-8C8E-460F-877B-923BB24E7C3C}"/>
+                <a16:creationId xmlns:a16="http://schemas.microsoft.com/office/drawing/2014/main" xmlns="" id="{F184372A-EE32-4E90-B239-55D36D6E787B}"/>
               </a:ext>
             </a:extLst>
           </p:cNvPr>
@@ -9148,7 +9177,7 @@
             <a:spLocks noGrp="1"/>
           </p:cNvSpPr>
           <p:nvPr>
-            <p:ph type="body" idx="1"/>
+            <p:ph idx="1"/>
           </p:nvPr>
         </p:nvSpPr>
         <p:spPr/>
@@ -9157,98 +9186,47 @@
           <a:lstStyle/>
           <a:p>
             <a:r>
-              <a:rPr lang="de-CH" dirty="0"/>
-              <a:t>Highlights</a:t>
+              <a:rPr lang="en-GB" dirty="0" smtClean="0"/>
+              <a:t>Communication within the team</a:t>
+            </a:r>
+          </a:p>
+          <a:p>
+            <a:r>
+              <a:rPr lang="en-GB" dirty="0" smtClean="0"/>
+              <a:t>Assign tasks to team members</a:t>
+            </a:r>
+          </a:p>
+          <a:p>
+            <a:r>
+              <a:rPr lang="en-GB" dirty="0" smtClean="0"/>
+              <a:t>Time management</a:t>
+            </a:r>
+          </a:p>
+          <a:p>
+            <a:r>
+              <a:rPr lang="en-GB" dirty="0"/>
+              <a:t>Using the Spring </a:t>
+            </a:r>
+            <a:r>
+              <a:rPr lang="en-GB" dirty="0" smtClean="0"/>
+              <a:t>framework</a:t>
+            </a:r>
+          </a:p>
+          <a:p>
+            <a:r>
+              <a:rPr lang="en-GB" dirty="0"/>
+              <a:t>Customer requests</a:t>
+            </a:r>
+          </a:p>
+          <a:p>
+            <a:r>
+              <a:rPr lang="en-GB" dirty="0" smtClean="0"/>
+              <a:t>Help from assistant</a:t>
             </a:r>
             <a:endParaRPr lang="en-GB" dirty="0"/>
           </a:p>
-        </p:txBody>
-      </p:sp>
-      <p:sp>
-        <p:nvSpPr>
-          <p:cNvPr id="4" name="Content Placeholder 3">
-            <a:extLst>
-              <a:ext uri="{FF2B5EF4-FFF2-40B4-BE49-F238E27FC236}">
-                <a16:creationId xmlns:a16="http://schemas.microsoft.com/office/drawing/2014/main" id="{F184372A-EE32-4E90-B239-55D36D6E787B}"/>
-              </a:ext>
-            </a:extLst>
-          </p:cNvPr>
-          <p:cNvSpPr>
-            <a:spLocks noGrp="1"/>
-          </p:cNvSpPr>
-          <p:nvPr>
-            <p:ph sz="half" idx="2"/>
-          </p:nvPr>
-        </p:nvSpPr>
-        <p:spPr/>
-        <p:txBody>
-          <a:bodyPr/>
-          <a:lstStyle/>
-          <a:p>
-            <a:r>
-              <a:rPr lang="de-CH" dirty="0"/>
-              <a:t>Communication within the team </a:t>
-            </a:r>
-          </a:p>
-          <a:p>
-            <a:endParaRPr lang="en-GB" dirty="0"/>
-          </a:p>
-        </p:txBody>
-      </p:sp>
-      <p:sp>
-        <p:nvSpPr>
-          <p:cNvPr id="5" name="Text Placeholder 4">
-            <a:extLst>
-              <a:ext uri="{FF2B5EF4-FFF2-40B4-BE49-F238E27FC236}">
-                <a16:creationId xmlns:a16="http://schemas.microsoft.com/office/drawing/2014/main" id="{90AA8F53-2D21-4479-84DB-DFF2C6CA4F09}"/>
-              </a:ext>
-            </a:extLst>
-          </p:cNvPr>
-          <p:cNvSpPr>
-            <a:spLocks noGrp="1"/>
-          </p:cNvSpPr>
-          <p:nvPr>
-            <p:ph type="body" sz="quarter" idx="3"/>
-          </p:nvPr>
-        </p:nvSpPr>
-        <p:spPr/>
-        <p:txBody>
-          <a:bodyPr/>
-          <a:lstStyle/>
-          <a:p>
-            <a:r>
-              <a:rPr lang="de-CH" dirty="0"/>
-              <a:t>Challanges</a:t>
-            </a:r>
-            <a:endParaRPr lang="en-GB" dirty="0"/>
-          </a:p>
-        </p:txBody>
-      </p:sp>
-      <p:sp>
-        <p:nvSpPr>
-          <p:cNvPr id="6" name="Content Placeholder 5">
-            <a:extLst>
-              <a:ext uri="{FF2B5EF4-FFF2-40B4-BE49-F238E27FC236}">
-                <a16:creationId xmlns:a16="http://schemas.microsoft.com/office/drawing/2014/main" id="{B90959A8-7109-4B7E-9DFF-5320F76E08D4}"/>
-              </a:ext>
-            </a:extLst>
-          </p:cNvPr>
-          <p:cNvSpPr>
-            <a:spLocks noGrp="1"/>
-          </p:cNvSpPr>
-          <p:nvPr>
-            <p:ph sz="quarter" idx="4"/>
-          </p:nvPr>
-        </p:nvSpPr>
-        <p:spPr/>
-        <p:txBody>
-          <a:bodyPr/>
-          <a:lstStyle/>
-          <a:p>
-            <a:r>
-              <a:rPr lang="de-CH" dirty="0"/>
-              <a:t>Using the Spring framework </a:t>
-            </a:r>
+          <a:p>
+            <a:endParaRPr lang="en-GB" dirty="0" smtClean="0"/>
           </a:p>
           <a:p>
             <a:endParaRPr lang="en-GB" dirty="0"/>
@@ -9290,7 +9268,7 @@
           <p:cNvPr id="4" name="TextBox 3">
             <a:extLst>
               <a:ext uri="{FF2B5EF4-FFF2-40B4-BE49-F238E27FC236}">
-                <a16:creationId xmlns:a16="http://schemas.microsoft.com/office/drawing/2014/main" id="{E74EC4C2-799F-421C-BD04-40EE77052CFD}"/>
+                <a16:creationId xmlns:a16="http://schemas.microsoft.com/office/drawing/2014/main" xmlns="" id="{E74EC4C2-799F-421C-BD04-40EE77052CFD}"/>
               </a:ext>
             </a:extLst>
           </p:cNvPr>
@@ -9356,7 +9334,7 @@
           <p:cNvPr id="5" name="Content Placeholder 4" descr="A person posing for the camera&#10;&#10;Description generated with high confidence">
             <a:extLst>
               <a:ext uri="{FF2B5EF4-FFF2-40B4-BE49-F238E27FC236}">
-                <a16:creationId xmlns:a16="http://schemas.microsoft.com/office/drawing/2014/main" id="{D217AAC1-4B1F-4A9A-BAC4-4F25441BC203}"/>
+                <a16:creationId xmlns:a16="http://schemas.microsoft.com/office/drawing/2014/main" xmlns="" id="{D217AAC1-4B1F-4A9A-BAC4-4F25441BC203}"/>
               </a:ext>
             </a:extLst>
           </p:cNvPr>
@@ -9375,8 +9353,8 @@
         </p:blipFill>
         <p:spPr>
           <a:xfrm>
-            <a:off x="3367828" y="2143942"/>
-            <a:ext cx="4732984" cy="4529561"/>
+            <a:off x="3825875" y="2545556"/>
+            <a:ext cx="3324225" cy="3181350"/>
           </a:xfrm>
           <a:prstGeom prst="rect">
             <a:avLst/>
